--- a/Restaurant Finder.pptx
+++ b/Restaurant Finder.pptx
@@ -11,7 +11,8 @@
     <p:sldId id="259" r:id="rId5"/>
     <p:sldId id="260" r:id="rId6"/>
     <p:sldId id="261" r:id="rId7"/>
-    <p:sldId id="262" r:id="rId8"/>
+    <p:sldId id="263" r:id="rId8"/>
+    <p:sldId id="262" r:id="rId9"/>
   </p:sldIdLst>
   <p:sldSz cx="12192000" cy="6858000"/>
   <p:notesSz cx="6858000" cy="9144000"/>
@@ -331,7 +332,7 @@
           <a:p>
             <a:fld id="{544095F2-7F6D-4749-9A0D-057811A599CB}" type="datetimeFigureOut">
               <a:rPr lang="en-US" smtClean="0"/>
-              <a:t>5/9/2018</a:t>
+              <a:t>09-May-18</a:t>
             </a:fld>
             <a:endParaRPr lang="en-US"/>
           </a:p>
@@ -627,7 +628,7 @@
           <a:p>
             <a:fld id="{544095F2-7F6D-4749-9A0D-057811A599CB}" type="datetimeFigureOut">
               <a:rPr lang="en-US" smtClean="0"/>
-              <a:t>5/9/2018</a:t>
+              <a:t>09-May-18</a:t>
             </a:fld>
             <a:endParaRPr lang="en-US"/>
           </a:p>
@@ -886,7 +887,7 @@
           <a:p>
             <a:fld id="{544095F2-7F6D-4749-9A0D-057811A599CB}" type="datetimeFigureOut">
               <a:rPr lang="en-US" smtClean="0"/>
-              <a:t>5/9/2018</a:t>
+              <a:t>09-May-18</a:t>
             </a:fld>
             <a:endParaRPr lang="en-US"/>
           </a:p>
@@ -1355,7 +1356,7 @@
           <a:p>
             <a:fld id="{544095F2-7F6D-4749-9A0D-057811A599CB}" type="datetimeFigureOut">
               <a:rPr lang="en-US" smtClean="0"/>
-              <a:t>5/9/2018</a:t>
+              <a:t>09-May-18</a:t>
             </a:fld>
             <a:endParaRPr lang="en-US"/>
           </a:p>
@@ -1535,7 +1536,7 @@
           <a:p>
             <a:fld id="{544095F2-7F6D-4749-9A0D-057811A599CB}" type="datetimeFigureOut">
               <a:rPr lang="en-US" smtClean="0"/>
-              <a:t>5/9/2018</a:t>
+              <a:t>09-May-18</a:t>
             </a:fld>
             <a:endParaRPr lang="en-US"/>
           </a:p>
@@ -2111,7 +2112,7 @@
           <a:p>
             <a:fld id="{544095F2-7F6D-4749-9A0D-057811A599CB}" type="datetimeFigureOut">
               <a:rPr lang="en-US" smtClean="0"/>
-              <a:t>5/9/2018</a:t>
+              <a:t>09-May-18</a:t>
             </a:fld>
             <a:endParaRPr lang="en-US"/>
           </a:p>
@@ -2443,7 +2444,7 @@
           <a:p>
             <a:fld id="{544095F2-7F6D-4749-9A0D-057811A599CB}" type="datetimeFigureOut">
               <a:rPr lang="en-US" smtClean="0"/>
-              <a:t>5/9/2018</a:t>
+              <a:t>09-May-18</a:t>
             </a:fld>
             <a:endParaRPr lang="en-US"/>
           </a:p>
@@ -2618,7 +2619,7 @@
           <a:p>
             <a:fld id="{544095F2-7F6D-4749-9A0D-057811A599CB}" type="datetimeFigureOut">
               <a:rPr lang="en-US" smtClean="0"/>
-              <a:t>5/9/2018</a:t>
+              <a:t>09-May-18</a:t>
             </a:fld>
             <a:endParaRPr lang="en-US"/>
           </a:p>
@@ -2798,7 +2799,7 @@
           <a:p>
             <a:fld id="{544095F2-7F6D-4749-9A0D-057811A599CB}" type="datetimeFigureOut">
               <a:rPr lang="en-US" smtClean="0"/>
-              <a:t>5/9/2018</a:t>
+              <a:t>09-May-18</a:t>
             </a:fld>
             <a:endParaRPr lang="en-US"/>
           </a:p>
@@ -2973,7 +2974,7 @@
           <a:p>
             <a:fld id="{544095F2-7F6D-4749-9A0D-057811A599CB}" type="datetimeFigureOut">
               <a:rPr lang="en-US" smtClean="0"/>
-              <a:t>5/9/2018</a:t>
+              <a:t>09-May-18</a:t>
             </a:fld>
             <a:endParaRPr lang="en-US"/>
           </a:p>
@@ -3230,7 +3231,7 @@
           <a:p>
             <a:fld id="{544095F2-7F6D-4749-9A0D-057811A599CB}" type="datetimeFigureOut">
               <a:rPr lang="en-US" smtClean="0"/>
-              <a:t>5/9/2018</a:t>
+              <a:t>09-May-18</a:t>
             </a:fld>
             <a:endParaRPr lang="en-US"/>
           </a:p>
@@ -3527,7 +3528,7 @@
           <a:p>
             <a:fld id="{544095F2-7F6D-4749-9A0D-057811A599CB}" type="datetimeFigureOut">
               <a:rPr lang="en-US" smtClean="0"/>
-              <a:t>5/9/2018</a:t>
+              <a:t>09-May-18</a:t>
             </a:fld>
             <a:endParaRPr lang="en-US"/>
           </a:p>
@@ -3957,7 +3958,7 @@
           <a:p>
             <a:fld id="{544095F2-7F6D-4749-9A0D-057811A599CB}" type="datetimeFigureOut">
               <a:rPr lang="en-US" smtClean="0"/>
-              <a:t>5/9/2018</a:t>
+              <a:t>09-May-18</a:t>
             </a:fld>
             <a:endParaRPr lang="en-US"/>
           </a:p>
@@ -4075,7 +4076,7 @@
           <a:p>
             <a:fld id="{544095F2-7F6D-4749-9A0D-057811A599CB}" type="datetimeFigureOut">
               <a:rPr lang="en-US" smtClean="0"/>
-              <a:t>5/9/2018</a:t>
+              <a:t>09-May-18</a:t>
             </a:fld>
             <a:endParaRPr lang="en-US"/>
           </a:p>
@@ -4170,7 +4171,7 @@
           <a:p>
             <a:fld id="{544095F2-7F6D-4749-9A0D-057811A599CB}" type="datetimeFigureOut">
               <a:rPr lang="en-US" smtClean="0"/>
-              <a:t>5/9/2018</a:t>
+              <a:t>09-May-18</a:t>
             </a:fld>
             <a:endParaRPr lang="en-US"/>
           </a:p>
@@ -4453,7 +4454,7 @@
           <a:p>
             <a:fld id="{544095F2-7F6D-4749-9A0D-057811A599CB}" type="datetimeFigureOut">
               <a:rPr lang="en-US" smtClean="0"/>
-              <a:t>5/9/2018</a:t>
+              <a:t>09-May-18</a:t>
             </a:fld>
             <a:endParaRPr lang="en-US"/>
           </a:p>
@@ -4744,7 +4745,7 @@
           <a:p>
             <a:fld id="{544095F2-7F6D-4749-9A0D-057811A599CB}" type="datetimeFigureOut">
               <a:rPr lang="en-US" smtClean="0"/>
-              <a:t>5/9/2018</a:t>
+              <a:t>09-May-18</a:t>
             </a:fld>
             <a:endParaRPr lang="en-US"/>
           </a:p>
@@ -4975,7 +4976,7 @@
           <a:p>
             <a:fld id="{544095F2-7F6D-4749-9A0D-057811A599CB}" type="datetimeFigureOut">
               <a:rPr lang="en-US" smtClean="0"/>
-              <a:t>5/9/2018</a:t>
+              <a:t>09-May-18</a:t>
             </a:fld>
             <a:endParaRPr lang="en-US"/>
           </a:p>
@@ -6761,6 +6762,168 @@
 <file path=ppt/slides/slide7.xml><?xml version="1.0" encoding="utf-8"?>
 <p:sld xmlns:a="http://schemas.openxmlformats.org/drawingml/2006/main" xmlns:r="http://schemas.openxmlformats.org/officeDocument/2006/relationships" xmlns:p="http://schemas.openxmlformats.org/presentationml/2006/main">
   <p:cSld>
+    <p:spTree>
+      <p:nvGrpSpPr>
+        <p:cNvPr id="1" name=""/>
+        <p:cNvGrpSpPr/>
+        <p:nvPr/>
+      </p:nvGrpSpPr>
+      <p:grpSpPr>
+        <a:xfrm>
+          <a:off x="0" y="0"/>
+          <a:ext cx="0" cy="0"/>
+          <a:chOff x="0" y="0"/>
+          <a:chExt cx="0" cy="0"/>
+        </a:xfrm>
+      </p:grpSpPr>
+      <p:sp>
+        <p:nvSpPr>
+          <p:cNvPr id="2" name="Title 1">
+            <a:extLst>
+              <a:ext uri="{FF2B5EF4-FFF2-40B4-BE49-F238E27FC236}">
+                <a16:creationId xmlns:a16="http://schemas.microsoft.com/office/drawing/2014/main" id="{9E1178EE-16A8-4BC4-90C4-F4168391F5FB}"/>
+              </a:ext>
+            </a:extLst>
+          </p:cNvPr>
+          <p:cNvSpPr>
+            <a:spLocks noGrp="1"/>
+          </p:cNvSpPr>
+          <p:nvPr>
+            <p:ph type="title"/>
+          </p:nvPr>
+        </p:nvSpPr>
+        <p:spPr>
+          <a:xfrm>
+            <a:off x="643192" y="18757"/>
+            <a:ext cx="3643674" cy="1191065"/>
+          </a:xfrm>
+        </p:spPr>
+        <p:txBody>
+          <a:bodyPr>
+            <a:normAutofit/>
+          </a:bodyPr>
+          <a:lstStyle/>
+          <a:p>
+            <a:r>
+              <a:rPr lang="en-US" sz="2800" dirty="0"/>
+              <a:t>Security</a:t>
+            </a:r>
+          </a:p>
+        </p:txBody>
+      </p:sp>
+      <p:sp>
+        <p:nvSpPr>
+          <p:cNvPr id="14" name="Content Placeholder 13">
+            <a:extLst>
+              <a:ext uri="{FF2B5EF4-FFF2-40B4-BE49-F238E27FC236}">
+                <a16:creationId xmlns:a16="http://schemas.microsoft.com/office/drawing/2014/main" id="{86658043-4C7A-4821-9B64-179CAEE00FDA}"/>
+              </a:ext>
+            </a:extLst>
+          </p:cNvPr>
+          <p:cNvSpPr>
+            <a:spLocks noGrp="1"/>
+          </p:cNvSpPr>
+          <p:nvPr>
+            <p:ph idx="1"/>
+          </p:nvPr>
+        </p:nvSpPr>
+        <p:spPr>
+          <a:xfrm>
+            <a:off x="643192" y="998806"/>
+            <a:ext cx="3759996" cy="2336777"/>
+          </a:xfrm>
+        </p:spPr>
+        <p:txBody>
+          <a:bodyPr anchor="t">
+            <a:normAutofit/>
+          </a:bodyPr>
+          <a:lstStyle/>
+          <a:p>
+            <a:r>
+              <a:rPr lang="en-US" sz="1800" dirty="0"/>
+              <a:t>Save the state of the files hosted on web hosting directory</a:t>
+            </a:r>
+          </a:p>
+          <a:p>
+            <a:r>
+              <a:rPr lang="en-US" sz="1800" dirty="0"/>
+              <a:t>Lambda function (C#) compares save state with current state and notifies admin incase of any malicious activity</a:t>
+            </a:r>
+          </a:p>
+        </p:txBody>
+      </p:sp>
+      <p:pic>
+        <p:nvPicPr>
+          <p:cNvPr id="5" name="Picture 4">
+            <a:extLst>
+              <a:ext uri="{FF2B5EF4-FFF2-40B4-BE49-F238E27FC236}">
+                <a16:creationId xmlns:a16="http://schemas.microsoft.com/office/drawing/2014/main" id="{EE6B10DA-E3AA-471E-8F77-45AE76181095}"/>
+              </a:ext>
+            </a:extLst>
+          </p:cNvPr>
+          <p:cNvPicPr/>
+          <p:nvPr/>
+        </p:nvPicPr>
+        <p:blipFill>
+          <a:blip r:embed="rId2"/>
+          <a:stretch>
+            <a:fillRect/>
+          </a:stretch>
+        </p:blipFill>
+        <p:spPr>
+          <a:xfrm>
+            <a:off x="6192128" y="43375"/>
+            <a:ext cx="5943600" cy="4740275"/>
+          </a:xfrm>
+          <a:prstGeom prst="rect">
+            <a:avLst/>
+          </a:prstGeom>
+        </p:spPr>
+      </p:pic>
+      <p:pic>
+        <p:nvPicPr>
+          <p:cNvPr id="6" name="Picture 5">
+            <a:extLst>
+              <a:ext uri="{FF2B5EF4-FFF2-40B4-BE49-F238E27FC236}">
+                <a16:creationId xmlns:a16="http://schemas.microsoft.com/office/drawing/2014/main" id="{E529B4A3-3108-4573-BA2E-C60BC564E77B}"/>
+              </a:ext>
+            </a:extLst>
+          </p:cNvPr>
+          <p:cNvPicPr/>
+          <p:nvPr/>
+        </p:nvPicPr>
+        <p:blipFill>
+          <a:blip r:embed="rId3"/>
+          <a:stretch>
+            <a:fillRect/>
+          </a:stretch>
+        </p:blipFill>
+        <p:spPr>
+          <a:xfrm>
+            <a:off x="209550" y="3037671"/>
+            <a:ext cx="5886450" cy="3419475"/>
+          </a:xfrm>
+          <a:prstGeom prst="rect">
+            <a:avLst/>
+          </a:prstGeom>
+        </p:spPr>
+      </p:pic>
+    </p:spTree>
+    <p:extLst>
+      <p:ext uri="{BB962C8B-B14F-4D97-AF65-F5344CB8AC3E}">
+        <p14:creationId xmlns:p14="http://schemas.microsoft.com/office/powerpoint/2010/main" val="438280520"/>
+      </p:ext>
+    </p:extLst>
+  </p:cSld>
+  <p:clrMapOvr>
+    <a:masterClrMapping/>
+  </p:clrMapOvr>
+</p:sld>
+</file>
+
+<file path=ppt/slides/slide8.xml><?xml version="1.0" encoding="utf-8"?>
+<p:sld xmlns:a="http://schemas.openxmlformats.org/drawingml/2006/main" xmlns:r="http://schemas.openxmlformats.org/officeDocument/2006/relationships" xmlns:p="http://schemas.openxmlformats.org/presentationml/2006/main">
+  <p:cSld>
     <p:bg>
       <p:bgPr>
         <a:blipFill rotWithShape="1">
